--- a/発表.pptx
+++ b/発表.pptx
@@ -15,7 +15,9 @@
     <p:sldId id="262" r:id="rId9"/>
     <p:sldId id="264" r:id="rId10"/>
     <p:sldId id="266" r:id="rId11"/>
-    <p:sldId id="265" r:id="rId12"/>
+    <p:sldId id="267" r:id="rId12"/>
+    <p:sldId id="268" r:id="rId13"/>
+    <p:sldId id="265" r:id="rId14"/>
   </p:sldIdLst>
   <p:sldSz cx="12192000" cy="6858000"/>
   <p:notesSz cx="6858000" cy="9144000"/>
@@ -350,7 +352,7 @@
           <a:p>
             <a:fld id="{66FF1480-87E0-46E6-ADC0-6F07D83A9709}" type="datetimeFigureOut">
               <a:rPr kumimoji="1" lang="ja-JP" altLang="en-US" smtClean="0"/>
-              <a:t>2019/9/10</a:t>
+              <a:t>2019/9/11</a:t>
             </a:fld>
             <a:endParaRPr kumimoji="1" lang="ja-JP" altLang="en-US"/>
           </a:p>
@@ -590,7 +592,7 @@
           <a:p>
             <a:fld id="{66FF1480-87E0-46E6-ADC0-6F07D83A9709}" type="datetimeFigureOut">
               <a:rPr kumimoji="1" lang="ja-JP" altLang="en-US" smtClean="0"/>
-              <a:t>2019/9/10</a:t>
+              <a:t>2019/9/11</a:t>
             </a:fld>
             <a:endParaRPr kumimoji="1" lang="ja-JP" altLang="en-US"/>
           </a:p>
@@ -880,7 +882,7 @@
           <a:p>
             <a:fld id="{66FF1480-87E0-46E6-ADC0-6F07D83A9709}" type="datetimeFigureOut">
               <a:rPr kumimoji="1" lang="ja-JP" altLang="en-US" smtClean="0"/>
-              <a:t>2019/9/10</a:t>
+              <a:t>2019/9/11</a:t>
             </a:fld>
             <a:endParaRPr kumimoji="1" lang="ja-JP" altLang="en-US"/>
           </a:p>
@@ -1082,7 +1084,7 @@
           <a:p>
             <a:fld id="{66FF1480-87E0-46E6-ADC0-6F07D83A9709}" type="datetimeFigureOut">
               <a:rPr kumimoji="1" lang="ja-JP" altLang="en-US" smtClean="0"/>
-              <a:t>2019/9/10</a:t>
+              <a:t>2019/9/11</a:t>
             </a:fld>
             <a:endParaRPr kumimoji="1" lang="ja-JP" altLang="en-US"/>
           </a:p>
@@ -1419,7 +1421,7 @@
           <a:p>
             <a:fld id="{66FF1480-87E0-46E6-ADC0-6F07D83A9709}" type="datetimeFigureOut">
               <a:rPr kumimoji="1" lang="ja-JP" altLang="en-US" smtClean="0"/>
-              <a:t>2019/9/10</a:t>
+              <a:t>2019/9/11</a:t>
             </a:fld>
             <a:endParaRPr kumimoji="1" lang="ja-JP" altLang="en-US"/>
           </a:p>
@@ -1758,7 +1760,7 @@
           <a:p>
             <a:fld id="{66FF1480-87E0-46E6-ADC0-6F07D83A9709}" type="datetimeFigureOut">
               <a:rPr kumimoji="1" lang="ja-JP" altLang="en-US" smtClean="0"/>
-              <a:t>2019/9/10</a:t>
+              <a:t>2019/9/11</a:t>
             </a:fld>
             <a:endParaRPr kumimoji="1" lang="ja-JP" altLang="en-US"/>
           </a:p>
@@ -2205,7 +2207,7 @@
           <a:p>
             <a:fld id="{66FF1480-87E0-46E6-ADC0-6F07D83A9709}" type="datetimeFigureOut">
               <a:rPr kumimoji="1" lang="ja-JP" altLang="en-US" smtClean="0"/>
-              <a:t>2019/9/10</a:t>
+              <a:t>2019/9/11</a:t>
             </a:fld>
             <a:endParaRPr kumimoji="1" lang="ja-JP" altLang="en-US"/>
           </a:p>
@@ -2323,7 +2325,7 @@
           <a:p>
             <a:fld id="{66FF1480-87E0-46E6-ADC0-6F07D83A9709}" type="datetimeFigureOut">
               <a:rPr kumimoji="1" lang="ja-JP" altLang="en-US" smtClean="0"/>
-              <a:t>2019/9/10</a:t>
+              <a:t>2019/9/11</a:t>
             </a:fld>
             <a:endParaRPr kumimoji="1" lang="ja-JP" altLang="en-US"/>
           </a:p>
@@ -2496,7 +2498,7 @@
           <a:p>
             <a:fld id="{66FF1480-87E0-46E6-ADC0-6F07D83A9709}" type="datetimeFigureOut">
               <a:rPr kumimoji="1" lang="ja-JP" altLang="en-US" smtClean="0"/>
-              <a:t>2019/9/10</a:t>
+              <a:t>2019/9/11</a:t>
             </a:fld>
             <a:endParaRPr kumimoji="1" lang="ja-JP" altLang="en-US"/>
           </a:p>
@@ -2884,7 +2886,7 @@
           <a:p>
             <a:fld id="{66FF1480-87E0-46E6-ADC0-6F07D83A9709}" type="datetimeFigureOut">
               <a:rPr kumimoji="1" lang="ja-JP" altLang="en-US" smtClean="0"/>
-              <a:t>2019/9/10</a:t>
+              <a:t>2019/9/11</a:t>
             </a:fld>
             <a:endParaRPr kumimoji="1" lang="ja-JP" altLang="en-US"/>
           </a:p>
@@ -3232,7 +3234,7 @@
           <a:p>
             <a:fld id="{66FF1480-87E0-46E6-ADC0-6F07D83A9709}" type="datetimeFigureOut">
               <a:rPr kumimoji="1" lang="ja-JP" altLang="en-US" smtClean="0"/>
-              <a:t>2019/9/10</a:t>
+              <a:t>2019/9/11</a:t>
             </a:fld>
             <a:endParaRPr kumimoji="1" lang="ja-JP" altLang="en-US"/>
           </a:p>
@@ -3575,7 +3577,7 @@
           <a:p>
             <a:fld id="{66FF1480-87E0-46E6-ADC0-6F07D83A9709}" type="datetimeFigureOut">
               <a:rPr kumimoji="1" lang="ja-JP" altLang="en-US" smtClean="0"/>
-              <a:t>2019/9/10</a:t>
+              <a:t>2019/9/11</a:t>
             </a:fld>
             <a:endParaRPr kumimoji="1" lang="ja-JP" altLang="en-US"/>
           </a:p>
@@ -4480,14 +4482,1256 @@
           <a:lstStyle/>
           <a:p>
             <a:r>
+              <a:rPr kumimoji="1" lang="en-US" altLang="ja-JP" sz="3200" dirty="0"/>
+              <a:t>LSTM(Long Short-Term Memory)</a:t>
+            </a:r>
+            <a:endParaRPr kumimoji="1" lang="ja-JP" altLang="en-US" sz="3200" dirty="0"/>
+          </a:p>
+        </p:txBody>
+      </p:sp>
+      <p:sp>
+        <p:nvSpPr>
+          <p:cNvPr id="3" name="コンテンツ プレースホルダー 2">
+            <a:extLst>
+              <a:ext uri="{FF2B5EF4-FFF2-40B4-BE49-F238E27FC236}">
+                <a16:creationId xmlns:a16="http://schemas.microsoft.com/office/drawing/2014/main" id="{AB485309-AD04-451E-822B-657E7CE59FFA}"/>
+              </a:ext>
+            </a:extLst>
+          </p:cNvPr>
+          <p:cNvSpPr>
+            <a:spLocks noGrp="1"/>
+          </p:cNvSpPr>
+          <p:nvPr>
+            <p:ph idx="1"/>
+          </p:nvPr>
+        </p:nvSpPr>
+        <p:spPr>
+          <a:xfrm>
+            <a:off x="1097280" y="1964784"/>
+            <a:ext cx="10276573" cy="917753"/>
+          </a:xfrm>
+        </p:spPr>
+        <p:txBody>
+          <a:bodyPr>
+            <a:normAutofit/>
+          </a:bodyPr>
+          <a:lstStyle/>
+          <a:p>
+            <a:pPr marL="0" indent="0">
+              <a:buNone/>
+            </a:pPr>
+            <a:r>
+              <a:rPr lang="en-US" altLang="ja-JP" dirty="0"/>
+              <a:t>RNN(Recurrent Neural Network)</a:t>
+            </a:r>
+            <a:r>
+              <a:rPr lang="ja-JP" altLang="en-US" dirty="0"/>
+              <a:t>の一種、逐次追跡の誤差を学習</a:t>
+            </a:r>
+            <a:endParaRPr lang="en-US" altLang="ja-JP" dirty="0"/>
+          </a:p>
+          <a:p>
+            <a:pPr marL="0" indent="0">
+              <a:buNone/>
+            </a:pPr>
+            <a:r>
+              <a:rPr lang="en-US" altLang="ja-JP" dirty="0"/>
+              <a:t>※</a:t>
+            </a:r>
+            <a:r>
+              <a:rPr lang="ja-JP" altLang="en-US" dirty="0"/>
+              <a:t>訓練データが大量に必要になるため別のデータセットを利用</a:t>
+            </a:r>
+            <a:endParaRPr lang="en-US" altLang="ja-JP" dirty="0"/>
+          </a:p>
+        </p:txBody>
+      </p:sp>
+      <p:graphicFrame>
+        <p:nvGraphicFramePr>
+          <p:cNvPr id="10" name="表 9">
+            <a:extLst>
+              <a:ext uri="{FF2B5EF4-FFF2-40B4-BE49-F238E27FC236}">
+                <a16:creationId xmlns:a16="http://schemas.microsoft.com/office/drawing/2014/main" id="{170E638E-1A8E-461C-B720-51A85CF4C0B9}"/>
+              </a:ext>
+            </a:extLst>
+          </p:cNvPr>
+          <p:cNvGraphicFramePr>
+            <a:graphicFrameLocks noGrp="1"/>
+          </p:cNvGraphicFramePr>
+          <p:nvPr>
+            <p:extLst>
+              <p:ext uri="{D42A27DB-BD31-4B8C-83A1-F6EECF244321}">
+                <p14:modId xmlns:p14="http://schemas.microsoft.com/office/powerpoint/2010/main" val="4266991966"/>
+              </p:ext>
+            </p:extLst>
+          </p:nvPr>
+        </p:nvGraphicFramePr>
+        <p:xfrm>
+          <a:off x="7092074" y="3566348"/>
+          <a:ext cx="4638285" cy="1010920"/>
+        </p:xfrm>
+        <a:graphic>
+          <a:graphicData uri="http://schemas.openxmlformats.org/drawingml/2006/table">
+            <a:tbl>
+              <a:tblPr firstRow="1" bandRow="1">
+                <a:tableStyleId>{5C22544A-7EE6-4342-B048-85BDC9FD1C3A}</a:tableStyleId>
+              </a:tblPr>
+              <a:tblGrid>
+                <a:gridCol w="1546095">
+                  <a:extLst>
+                    <a:ext uri="{9D8B030D-6E8A-4147-A177-3AD203B41FA5}">
+                      <a16:colId xmlns:a16="http://schemas.microsoft.com/office/drawing/2014/main" val="1913265876"/>
+                    </a:ext>
+                  </a:extLst>
+                </a:gridCol>
+                <a:gridCol w="1546095">
+                  <a:extLst>
+                    <a:ext uri="{9D8B030D-6E8A-4147-A177-3AD203B41FA5}">
+                      <a16:colId xmlns:a16="http://schemas.microsoft.com/office/drawing/2014/main" val="438326855"/>
+                    </a:ext>
+                  </a:extLst>
+                </a:gridCol>
+                <a:gridCol w="1546095">
+                  <a:extLst>
+                    <a:ext uri="{9D8B030D-6E8A-4147-A177-3AD203B41FA5}">
+                      <a16:colId xmlns:a16="http://schemas.microsoft.com/office/drawing/2014/main" val="818997680"/>
+                    </a:ext>
+                  </a:extLst>
+                </a:gridCol>
+              </a:tblGrid>
+              <a:tr h="370840">
+                <a:tc>
+                  <a:txBody>
+                    <a:bodyPr/>
+                    <a:lstStyle/>
+                    <a:p>
+                      <a:pPr algn="ctr"/>
+                      <a:endParaRPr kumimoji="1" lang="ja-JP" altLang="en-US" dirty="0"/>
+                    </a:p>
+                  </a:txBody>
+                  <a:tcPr/>
+                </a:tc>
+                <a:tc>
+                  <a:txBody>
+                    <a:bodyPr/>
+                    <a:lstStyle/>
+                    <a:p>
+                      <a:pPr algn="ctr"/>
+                      <a:r>
+                        <a:rPr kumimoji="1" lang="ja-JP" altLang="en-US" dirty="0"/>
+                        <a:t>逐次追跡</a:t>
+                      </a:r>
+                      <a:r>
+                        <a:rPr kumimoji="1" lang="en-US" altLang="ja-JP" dirty="0"/>
+                        <a:t>(W/min)</a:t>
+                      </a:r>
+                      <a:endParaRPr kumimoji="1" lang="ja-JP" altLang="en-US" dirty="0"/>
+                    </a:p>
+                  </a:txBody>
+                  <a:tcPr/>
+                </a:tc>
+                <a:tc>
+                  <a:txBody>
+                    <a:bodyPr/>
+                    <a:lstStyle/>
+                    <a:p>
+                      <a:pPr algn="ctr"/>
+                      <a:r>
+                        <a:rPr kumimoji="1" lang="en-US" altLang="ja-JP" dirty="0"/>
+                        <a:t>LSTM</a:t>
+                      </a:r>
+                    </a:p>
+                    <a:p>
+                      <a:pPr algn="ctr"/>
+                      <a:r>
+                        <a:rPr kumimoji="1" lang="en-US" altLang="ja-JP" dirty="0"/>
+                        <a:t>(W/min)</a:t>
+                      </a:r>
+                      <a:endParaRPr kumimoji="1" lang="ja-JP" altLang="en-US" dirty="0"/>
+                    </a:p>
+                  </a:txBody>
+                  <a:tcPr/>
+                </a:tc>
+                <a:extLst>
+                  <a:ext uri="{0D108BD9-81ED-4DB2-BD59-A6C34878D82A}">
+                    <a16:rowId xmlns:a16="http://schemas.microsoft.com/office/drawing/2014/main" val="1753892868"/>
+                  </a:ext>
+                </a:extLst>
+              </a:tr>
+              <a:tr h="370840">
+                <a:tc>
+                  <a:txBody>
+                    <a:bodyPr/>
+                    <a:lstStyle/>
+                    <a:p>
+                      <a:pPr algn="ctr"/>
+                      <a:r>
+                        <a:rPr kumimoji="1" lang="en-US" altLang="ja-JP" dirty="0"/>
+                        <a:t>(</a:t>
+                      </a:r>
+                      <a:r>
+                        <a:rPr kumimoji="1" lang="ja-JP" altLang="en-US" dirty="0"/>
+                        <a:t>テストデータ</a:t>
+                      </a:r>
+                      <a:r>
+                        <a:rPr kumimoji="1" lang="en-US" altLang="ja-JP" dirty="0"/>
+                        <a:t>)</a:t>
+                      </a:r>
+                      <a:endParaRPr kumimoji="1" lang="ja-JP" altLang="en-US" dirty="0"/>
+                    </a:p>
+                  </a:txBody>
+                  <a:tcPr/>
+                </a:tc>
+                <a:tc>
+                  <a:txBody>
+                    <a:bodyPr/>
+                    <a:lstStyle/>
+                    <a:p>
+                      <a:pPr algn="ctr"/>
+                      <a:r>
+                        <a:rPr kumimoji="1" lang="en-US" altLang="ja-JP" dirty="0"/>
+                        <a:t>410.0</a:t>
+                      </a:r>
+                      <a:endParaRPr kumimoji="1" lang="ja-JP" altLang="en-US" dirty="0"/>
+                    </a:p>
+                  </a:txBody>
+                  <a:tcPr/>
+                </a:tc>
+                <a:tc>
+                  <a:txBody>
+                    <a:bodyPr/>
+                    <a:lstStyle/>
+                    <a:p>
+                      <a:pPr algn="ctr"/>
+                      <a:r>
+                        <a:rPr kumimoji="1" lang="en-US" altLang="ja-JP" dirty="0"/>
+                        <a:t>401.0</a:t>
+                      </a:r>
+                      <a:endParaRPr kumimoji="1" lang="ja-JP" altLang="en-US" dirty="0"/>
+                    </a:p>
+                  </a:txBody>
+                  <a:tcPr/>
+                </a:tc>
+                <a:extLst>
+                  <a:ext uri="{0D108BD9-81ED-4DB2-BD59-A6C34878D82A}">
+                    <a16:rowId xmlns:a16="http://schemas.microsoft.com/office/drawing/2014/main" val="3963692300"/>
+                  </a:ext>
+                </a:extLst>
+              </a:tr>
+            </a:tbl>
+          </a:graphicData>
+        </a:graphic>
+      </p:graphicFrame>
+      <p:sp>
+        <p:nvSpPr>
+          <p:cNvPr id="11" name="矢印: 右 10">
+            <a:extLst>
+              <a:ext uri="{FF2B5EF4-FFF2-40B4-BE49-F238E27FC236}">
+                <a16:creationId xmlns:a16="http://schemas.microsoft.com/office/drawing/2014/main" id="{A1D6B2FC-AFF6-441B-97DB-60CC8CEC154B}"/>
+              </a:ext>
+            </a:extLst>
+          </p:cNvPr>
+          <p:cNvSpPr/>
+          <p:nvPr/>
+        </p:nvSpPr>
+        <p:spPr>
+          <a:xfrm>
+            <a:off x="5933459" y="4360659"/>
+            <a:ext cx="604214" cy="648070"/>
+          </a:xfrm>
+          <a:prstGeom prst="rightArrow">
+            <a:avLst/>
+          </a:prstGeom>
+        </p:spPr>
+        <p:style>
+          <a:lnRef idx="2">
+            <a:schemeClr val="accent1">
+              <a:shade val="50000"/>
+            </a:schemeClr>
+          </a:lnRef>
+          <a:fillRef idx="1">
+            <a:schemeClr val="accent1"/>
+          </a:fillRef>
+          <a:effectRef idx="0">
+            <a:schemeClr val="accent1"/>
+          </a:effectRef>
+          <a:fontRef idx="minor">
+            <a:schemeClr val="lt1"/>
+          </a:fontRef>
+        </p:style>
+        <p:txBody>
+          <a:bodyPr rtlCol="0" anchor="ctr"/>
+          <a:lstStyle/>
+          <a:p>
+            <a:pPr algn="ctr"/>
+            <a:endParaRPr kumimoji="1" lang="ja-JP" altLang="en-US"/>
+          </a:p>
+        </p:txBody>
+      </p:sp>
+      <p:pic>
+        <p:nvPicPr>
+          <p:cNvPr id="6" name="図 5">
+            <a:extLst>
+              <a:ext uri="{FF2B5EF4-FFF2-40B4-BE49-F238E27FC236}">
+                <a16:creationId xmlns:a16="http://schemas.microsoft.com/office/drawing/2014/main" id="{16282B5D-EDCD-4506-9D60-2645CE9FC17B}"/>
+              </a:ext>
+            </a:extLst>
+          </p:cNvPr>
+          <p:cNvPicPr>
+            <a:picLocks noChangeAspect="1"/>
+          </p:cNvPicPr>
+          <p:nvPr/>
+        </p:nvPicPr>
+        <p:blipFill>
+          <a:blip r:embed="rId2">
+            <a:extLst>
+              <a:ext uri="{28A0092B-C50C-407E-A947-70E740481C1C}">
+                <a14:useLocalDpi xmlns:a14="http://schemas.microsoft.com/office/drawing/2010/main" val="0"/>
+              </a:ext>
+            </a:extLst>
+          </a:blip>
+          <a:stretch>
+            <a:fillRect/>
+          </a:stretch>
+        </p:blipFill>
+        <p:spPr>
+          <a:xfrm>
+            <a:off x="818147" y="2882537"/>
+            <a:ext cx="4790346" cy="3193564"/>
+          </a:xfrm>
+          <a:prstGeom prst="rect">
+            <a:avLst/>
+          </a:prstGeom>
+        </p:spPr>
+      </p:pic>
+      <p:sp>
+        <p:nvSpPr>
+          <p:cNvPr id="9" name="コンテンツ プレースホルダー 2">
+            <a:extLst>
+              <a:ext uri="{FF2B5EF4-FFF2-40B4-BE49-F238E27FC236}">
+                <a16:creationId xmlns:a16="http://schemas.microsoft.com/office/drawing/2014/main" id="{CBC47115-7038-4429-9A04-93379E01DC2E}"/>
+              </a:ext>
+            </a:extLst>
+          </p:cNvPr>
+          <p:cNvSpPr txBox="1">
+            <a:spLocks/>
+          </p:cNvSpPr>
+          <p:nvPr/>
+        </p:nvSpPr>
+        <p:spPr>
+          <a:xfrm>
+            <a:off x="8354991" y="4937044"/>
+            <a:ext cx="2914843" cy="648070"/>
+          </a:xfrm>
+          <a:prstGeom prst="rect">
+            <a:avLst/>
+          </a:prstGeom>
+        </p:spPr>
+        <p:txBody>
+          <a:bodyPr vert="horz" lIns="0" tIns="45720" rIns="0" bIns="45720" rtlCol="0">
+            <a:normAutofit/>
+          </a:bodyPr>
+          <a:lstStyle>
+            <a:lvl1pPr marL="91440" indent="-91440" algn="l" defTabSz="914400" rtl="0" eaLnBrk="1" latinLnBrk="0" hangingPunct="1">
+              <a:lnSpc>
+                <a:spcPct val="90000"/>
+              </a:lnSpc>
+              <a:spcBef>
+                <a:spcPts val="1200"/>
+              </a:spcBef>
+              <a:spcAft>
+                <a:spcPts val="200"/>
+              </a:spcAft>
+              <a:buClr>
+                <a:schemeClr val="accent3"/>
+              </a:buClr>
+              <a:buSzPct val="100000"/>
+              <a:buFont typeface="Calibri" panose="020F0502020204030204" pitchFamily="34" charset="0"/>
+              <a:buChar char=" "/>
+              <a:defRPr kumimoji="1" sz="2000" kern="1200">
+                <a:solidFill>
+                  <a:schemeClr val="tx1">
+                    <a:lumMod val="75000"/>
+                    <a:lumOff val="25000"/>
+                  </a:schemeClr>
+                </a:solidFill>
+                <a:latin typeface="+mn-lt"/>
+                <a:ea typeface="+mn-ea"/>
+                <a:cs typeface="+mn-cs"/>
+              </a:defRPr>
+            </a:lvl1pPr>
+            <a:lvl2pPr marL="384048" indent="-182880" algn="l" defTabSz="914400" rtl="0" eaLnBrk="1" latinLnBrk="0" hangingPunct="1">
+              <a:lnSpc>
+                <a:spcPct val="90000"/>
+              </a:lnSpc>
+              <a:spcBef>
+                <a:spcPts val="200"/>
+              </a:spcBef>
+              <a:spcAft>
+                <a:spcPts val="400"/>
+              </a:spcAft>
+              <a:buClr>
+                <a:schemeClr val="accent3"/>
+              </a:buClr>
+              <a:buFont typeface="Calibri" pitchFamily="34" charset="0"/>
+              <a:buChar char="◦"/>
+              <a:defRPr kumimoji="1" sz="1800" kern="1200">
+                <a:solidFill>
+                  <a:schemeClr val="tx1">
+                    <a:lumMod val="75000"/>
+                    <a:lumOff val="25000"/>
+                  </a:schemeClr>
+                </a:solidFill>
+                <a:latin typeface="+mn-lt"/>
+                <a:ea typeface="+mn-ea"/>
+                <a:cs typeface="+mn-cs"/>
+              </a:defRPr>
+            </a:lvl2pPr>
+            <a:lvl3pPr marL="566928" indent="-182880" algn="l" defTabSz="914400" rtl="0" eaLnBrk="1" latinLnBrk="0" hangingPunct="1">
+              <a:lnSpc>
+                <a:spcPct val="90000"/>
+              </a:lnSpc>
+              <a:spcBef>
+                <a:spcPts val="200"/>
+              </a:spcBef>
+              <a:spcAft>
+                <a:spcPts val="400"/>
+              </a:spcAft>
+              <a:buClr>
+                <a:schemeClr val="accent3"/>
+              </a:buClr>
+              <a:buFont typeface="Calibri" pitchFamily="34" charset="0"/>
+              <a:buChar char="◦"/>
+              <a:defRPr kumimoji="1" sz="1400" kern="1200">
+                <a:solidFill>
+                  <a:schemeClr val="tx1">
+                    <a:lumMod val="75000"/>
+                    <a:lumOff val="25000"/>
+                  </a:schemeClr>
+                </a:solidFill>
+                <a:latin typeface="+mn-lt"/>
+                <a:ea typeface="+mn-ea"/>
+                <a:cs typeface="+mn-cs"/>
+              </a:defRPr>
+            </a:lvl3pPr>
+            <a:lvl4pPr marL="749808" indent="-182880" algn="l" defTabSz="914400" rtl="0" eaLnBrk="1" latinLnBrk="0" hangingPunct="1">
+              <a:lnSpc>
+                <a:spcPct val="90000"/>
+              </a:lnSpc>
+              <a:spcBef>
+                <a:spcPts val="200"/>
+              </a:spcBef>
+              <a:spcAft>
+                <a:spcPts val="400"/>
+              </a:spcAft>
+              <a:buClr>
+                <a:schemeClr val="accent3"/>
+              </a:buClr>
+              <a:buFont typeface="Calibri" pitchFamily="34" charset="0"/>
+              <a:buChar char="◦"/>
+              <a:defRPr kumimoji="1" sz="1400" kern="1200">
+                <a:solidFill>
+                  <a:schemeClr val="tx1">
+                    <a:lumMod val="75000"/>
+                    <a:lumOff val="25000"/>
+                  </a:schemeClr>
+                </a:solidFill>
+                <a:latin typeface="+mn-lt"/>
+                <a:ea typeface="+mn-ea"/>
+                <a:cs typeface="+mn-cs"/>
+              </a:defRPr>
+            </a:lvl4pPr>
+            <a:lvl5pPr marL="932688" indent="-182880" algn="l" defTabSz="914400" rtl="0" eaLnBrk="1" latinLnBrk="0" hangingPunct="1">
+              <a:lnSpc>
+                <a:spcPct val="90000"/>
+              </a:lnSpc>
+              <a:spcBef>
+                <a:spcPts val="200"/>
+              </a:spcBef>
+              <a:spcAft>
+                <a:spcPts val="400"/>
+              </a:spcAft>
+              <a:buClr>
+                <a:schemeClr val="accent3"/>
+              </a:buClr>
+              <a:buFont typeface="Calibri" pitchFamily="34" charset="0"/>
+              <a:buChar char="◦"/>
+              <a:defRPr kumimoji="1" sz="1400" kern="1200">
+                <a:solidFill>
+                  <a:schemeClr val="tx1">
+                    <a:lumMod val="75000"/>
+                    <a:lumOff val="25000"/>
+                  </a:schemeClr>
+                </a:solidFill>
+                <a:latin typeface="+mn-lt"/>
+                <a:ea typeface="+mn-ea"/>
+                <a:cs typeface="+mn-cs"/>
+              </a:defRPr>
+            </a:lvl5pPr>
+            <a:lvl6pPr marL="1100000" indent="-228600" algn="l" defTabSz="914400" rtl="0" eaLnBrk="1" latinLnBrk="0" hangingPunct="1">
+              <a:lnSpc>
+                <a:spcPct val="90000"/>
+              </a:lnSpc>
+              <a:spcBef>
+                <a:spcPts val="200"/>
+              </a:spcBef>
+              <a:spcAft>
+                <a:spcPts val="400"/>
+              </a:spcAft>
+              <a:buClr>
+                <a:schemeClr val="accent3"/>
+              </a:buClr>
+              <a:buFont typeface="Calibri" pitchFamily="34" charset="0"/>
+              <a:buChar char="◦"/>
+              <a:defRPr kumimoji="1" sz="1400" kern="1200">
+                <a:solidFill>
+                  <a:schemeClr val="tx1">
+                    <a:lumMod val="75000"/>
+                    <a:lumOff val="25000"/>
+                  </a:schemeClr>
+                </a:solidFill>
+                <a:latin typeface="+mn-lt"/>
+                <a:ea typeface="+mn-ea"/>
+                <a:cs typeface="+mn-cs"/>
+              </a:defRPr>
+            </a:lvl6pPr>
+            <a:lvl7pPr marL="1300000" indent="-228600" algn="l" defTabSz="914400" rtl="0" eaLnBrk="1" latinLnBrk="0" hangingPunct="1">
+              <a:lnSpc>
+                <a:spcPct val="90000"/>
+              </a:lnSpc>
+              <a:spcBef>
+                <a:spcPts val="200"/>
+              </a:spcBef>
+              <a:spcAft>
+                <a:spcPts val="400"/>
+              </a:spcAft>
+              <a:buClr>
+                <a:schemeClr val="accent3"/>
+              </a:buClr>
+              <a:buFont typeface="Calibri" pitchFamily="34" charset="0"/>
+              <a:buChar char="◦"/>
+              <a:defRPr kumimoji="1" sz="1400" kern="1200">
+                <a:solidFill>
+                  <a:schemeClr val="tx1">
+                    <a:lumMod val="75000"/>
+                    <a:lumOff val="25000"/>
+                  </a:schemeClr>
+                </a:solidFill>
+                <a:latin typeface="+mn-lt"/>
+                <a:ea typeface="+mn-ea"/>
+                <a:cs typeface="+mn-cs"/>
+              </a:defRPr>
+            </a:lvl7pPr>
+            <a:lvl8pPr marL="1500000" indent="-228600" algn="l" defTabSz="914400" rtl="0" eaLnBrk="1" latinLnBrk="0" hangingPunct="1">
+              <a:lnSpc>
+                <a:spcPct val="90000"/>
+              </a:lnSpc>
+              <a:spcBef>
+                <a:spcPts val="200"/>
+              </a:spcBef>
+              <a:spcAft>
+                <a:spcPts val="400"/>
+              </a:spcAft>
+              <a:buClr>
+                <a:schemeClr val="accent3"/>
+              </a:buClr>
+              <a:buFont typeface="Calibri" pitchFamily="34" charset="0"/>
+              <a:buChar char="◦"/>
+              <a:defRPr kumimoji="1" sz="1400" kern="1200">
+                <a:solidFill>
+                  <a:schemeClr val="tx1">
+                    <a:lumMod val="75000"/>
+                    <a:lumOff val="25000"/>
+                  </a:schemeClr>
+                </a:solidFill>
+                <a:latin typeface="+mn-lt"/>
+                <a:ea typeface="+mn-ea"/>
+                <a:cs typeface="+mn-cs"/>
+              </a:defRPr>
+            </a:lvl8pPr>
+            <a:lvl9pPr marL="1700000" indent="-228600" algn="l" defTabSz="914400" rtl="0" eaLnBrk="1" latinLnBrk="0" hangingPunct="1">
+              <a:lnSpc>
+                <a:spcPct val="90000"/>
+              </a:lnSpc>
+              <a:spcBef>
+                <a:spcPts val="200"/>
+              </a:spcBef>
+              <a:spcAft>
+                <a:spcPts val="400"/>
+              </a:spcAft>
+              <a:buClr>
+                <a:schemeClr val="accent3"/>
+              </a:buClr>
+              <a:buFont typeface="Calibri" pitchFamily="34" charset="0"/>
+              <a:buChar char="◦"/>
+              <a:defRPr kumimoji="1" sz="1400" kern="1200">
+                <a:solidFill>
+                  <a:schemeClr val="tx1">
+                    <a:lumMod val="75000"/>
+                    <a:lumOff val="25000"/>
+                  </a:schemeClr>
+                </a:solidFill>
+                <a:latin typeface="+mn-lt"/>
+                <a:ea typeface="+mn-ea"/>
+                <a:cs typeface="+mn-cs"/>
+              </a:defRPr>
+            </a:lvl9pPr>
+          </a:lstStyle>
+          <a:p>
+            <a:pPr marL="0" indent="0">
+              <a:buFont typeface="Calibri" panose="020F0502020204030204" pitchFamily="34" charset="0"/>
+              <a:buNone/>
+            </a:pPr>
+            <a:r>
+              <a:rPr lang="ja-JP" altLang="en-US" dirty="0"/>
+              <a:t>約</a:t>
+            </a:r>
+            <a:r>
+              <a:rPr lang="en-US" altLang="ja-JP" dirty="0"/>
+              <a:t>2.3%</a:t>
+            </a:r>
+            <a:r>
+              <a:rPr lang="ja-JP" altLang="en-US" dirty="0"/>
+              <a:t>の改善が見られた</a:t>
+            </a:r>
+            <a:endParaRPr lang="en-US" altLang="ja-JP" dirty="0"/>
+          </a:p>
+        </p:txBody>
+      </p:sp>
+    </p:spTree>
+    <p:extLst>
+      <p:ext uri="{BB962C8B-B14F-4D97-AF65-F5344CB8AC3E}">
+        <p14:creationId xmlns:p14="http://schemas.microsoft.com/office/powerpoint/2010/main" val="1386381953"/>
+      </p:ext>
+    </p:extLst>
+  </p:cSld>
+  <p:clrMapOvr>
+    <a:masterClrMapping/>
+  </p:clrMapOvr>
+</p:sld>
+</file>
+
+<file path=ppt/slides/slide12.xml><?xml version="1.0" encoding="utf-8"?>
+<p:sld xmlns:a="http://schemas.openxmlformats.org/drawingml/2006/main" xmlns:r="http://schemas.openxmlformats.org/officeDocument/2006/relationships" xmlns:p="http://schemas.openxmlformats.org/presentationml/2006/main">
+  <p:cSld>
+    <p:spTree>
+      <p:nvGrpSpPr>
+        <p:cNvPr id="1" name=""/>
+        <p:cNvGrpSpPr/>
+        <p:nvPr/>
+      </p:nvGrpSpPr>
+      <p:grpSpPr>
+        <a:xfrm>
+          <a:off x="0" y="0"/>
+          <a:ext cx="0" cy="0"/>
+          <a:chOff x="0" y="0"/>
+          <a:chExt cx="0" cy="0"/>
+        </a:xfrm>
+      </p:grpSpPr>
+      <p:sp>
+        <p:nvSpPr>
+          <p:cNvPr id="2" name="タイトル 1">
+            <a:extLst>
+              <a:ext uri="{FF2B5EF4-FFF2-40B4-BE49-F238E27FC236}">
+                <a16:creationId xmlns:a16="http://schemas.microsoft.com/office/drawing/2014/main" id="{C452CE04-A02C-4DCB-A6C7-BCDA5BD86E82}"/>
+              </a:ext>
+            </a:extLst>
+          </p:cNvPr>
+          <p:cNvSpPr>
+            <a:spLocks noGrp="1"/>
+          </p:cNvSpPr>
+          <p:nvPr>
+            <p:ph type="title"/>
+          </p:nvPr>
+        </p:nvSpPr>
+        <p:spPr/>
+        <p:txBody>
+          <a:bodyPr>
+            <a:normAutofit/>
+          </a:bodyPr>
+          <a:lstStyle/>
+          <a:p>
+            <a:r>
+              <a:rPr kumimoji="1" lang="ja-JP" altLang="en-US" sz="3200" dirty="0"/>
+              <a:t>今回扱った手法とその結果</a:t>
+            </a:r>
+          </a:p>
+        </p:txBody>
+      </p:sp>
+      <p:sp>
+        <p:nvSpPr>
+          <p:cNvPr id="3" name="コンテンツ プレースホルダー 2">
+            <a:extLst>
+              <a:ext uri="{FF2B5EF4-FFF2-40B4-BE49-F238E27FC236}">
+                <a16:creationId xmlns:a16="http://schemas.microsoft.com/office/drawing/2014/main" id="{AB485309-AD04-451E-822B-657E7CE59FFA}"/>
+              </a:ext>
+            </a:extLst>
+          </p:cNvPr>
+          <p:cNvSpPr>
+            <a:spLocks noGrp="1"/>
+          </p:cNvSpPr>
+          <p:nvPr>
+            <p:ph idx="1"/>
+          </p:nvPr>
+        </p:nvSpPr>
+        <p:spPr>
+          <a:xfrm>
+            <a:off x="1097280" y="2104121"/>
+            <a:ext cx="10276573" cy="3751247"/>
+          </a:xfrm>
+        </p:spPr>
+        <p:txBody>
+          <a:bodyPr>
+            <a:noAutofit/>
+          </a:bodyPr>
+          <a:lstStyle/>
+          <a:p>
+            <a:pPr>
+              <a:lnSpc>
+                <a:spcPct val="50000"/>
+              </a:lnSpc>
+              <a:buFont typeface="Wingdings" panose="05000000000000000000" pitchFamily="2" charset="2"/>
+              <a:buChar char="l"/>
+            </a:pPr>
+            <a:r>
+              <a:rPr kumimoji="1" lang="ja-JP" altLang="en-US" sz="1800" dirty="0"/>
+              <a:t>逐次追跡法</a:t>
+            </a:r>
+            <a:endParaRPr kumimoji="1" lang="en-US" altLang="ja-JP" sz="1800" dirty="0"/>
+          </a:p>
+          <a:p>
+            <a:pPr marL="0" indent="0">
+              <a:lnSpc>
+                <a:spcPct val="50000"/>
+              </a:lnSpc>
+              <a:buNone/>
+            </a:pPr>
+            <a:r>
+              <a:rPr kumimoji="1" lang="ja-JP" altLang="en-US" sz="1800" dirty="0"/>
+              <a:t>→変動が激しい場合有効</a:t>
+            </a:r>
+            <a:endParaRPr kumimoji="1" lang="en-US" altLang="ja-JP" sz="1800" dirty="0"/>
+          </a:p>
+          <a:p>
+            <a:pPr>
+              <a:lnSpc>
+                <a:spcPct val="50000"/>
+              </a:lnSpc>
+              <a:buFont typeface="Wingdings" panose="05000000000000000000" pitchFamily="2" charset="2"/>
+              <a:buChar char="l"/>
+            </a:pPr>
+            <a:endParaRPr lang="en-US" altLang="ja-JP" sz="1800" dirty="0"/>
+          </a:p>
+          <a:p>
+            <a:pPr>
+              <a:lnSpc>
+                <a:spcPct val="50000"/>
+              </a:lnSpc>
+              <a:buFont typeface="Wingdings" panose="05000000000000000000" pitchFamily="2" charset="2"/>
+              <a:buChar char="l"/>
+            </a:pPr>
+            <a:r>
+              <a:rPr lang="ja-JP" altLang="en-US" sz="1800" dirty="0"/>
+              <a:t>自己回帰モデル</a:t>
+            </a:r>
+            <a:endParaRPr lang="en-US" altLang="ja-JP" sz="1800" dirty="0"/>
+          </a:p>
+          <a:p>
+            <a:pPr marL="0" indent="0">
+              <a:lnSpc>
+                <a:spcPct val="50000"/>
+              </a:lnSpc>
+              <a:buNone/>
+            </a:pPr>
+            <a:r>
+              <a:rPr lang="ja-JP" altLang="en-US" sz="1800" dirty="0"/>
+              <a:t>→変動が激しくない場合有効</a:t>
+            </a:r>
+            <a:endParaRPr lang="en-US" altLang="ja-JP" sz="1800" dirty="0"/>
+          </a:p>
+          <a:p>
+            <a:pPr>
+              <a:lnSpc>
+                <a:spcPct val="50000"/>
+              </a:lnSpc>
+              <a:buFont typeface="Wingdings" panose="05000000000000000000" pitchFamily="2" charset="2"/>
+              <a:buChar char="l"/>
+            </a:pPr>
+            <a:endParaRPr lang="en-US" altLang="ja-JP" sz="1800" dirty="0"/>
+          </a:p>
+          <a:p>
+            <a:pPr>
+              <a:lnSpc>
+                <a:spcPct val="50000"/>
+              </a:lnSpc>
+              <a:buFont typeface="Wingdings" panose="05000000000000000000" pitchFamily="2" charset="2"/>
+              <a:buChar char="l"/>
+            </a:pPr>
+            <a:r>
+              <a:rPr lang="ja-JP" altLang="en-US" sz="1800" dirty="0"/>
+              <a:t>ガウス過程回帰</a:t>
+            </a:r>
+            <a:endParaRPr lang="en-US" altLang="ja-JP" sz="1800" dirty="0"/>
+          </a:p>
+          <a:p>
+            <a:pPr marL="0" indent="0">
+              <a:lnSpc>
+                <a:spcPct val="50000"/>
+              </a:lnSpc>
+              <a:buNone/>
+            </a:pPr>
+            <a:r>
+              <a:rPr lang="ja-JP" altLang="en-US" sz="1800" dirty="0"/>
+              <a:t>→逐次追跡法に劣る</a:t>
+            </a:r>
+            <a:endParaRPr lang="en-US" altLang="ja-JP" sz="1800" dirty="0"/>
+          </a:p>
+          <a:p>
+            <a:pPr>
+              <a:lnSpc>
+                <a:spcPct val="50000"/>
+              </a:lnSpc>
+              <a:buFont typeface="Wingdings" panose="05000000000000000000" pitchFamily="2" charset="2"/>
+              <a:buChar char="l"/>
+            </a:pPr>
+            <a:endParaRPr lang="en-US" altLang="ja-JP" sz="1800" dirty="0"/>
+          </a:p>
+          <a:p>
+            <a:pPr>
+              <a:lnSpc>
+                <a:spcPct val="50000"/>
+              </a:lnSpc>
+              <a:buFont typeface="Wingdings" panose="05000000000000000000" pitchFamily="2" charset="2"/>
+              <a:buChar char="l"/>
+            </a:pPr>
+            <a:r>
+              <a:rPr lang="en-US" altLang="ja-JP" sz="1800" dirty="0"/>
+              <a:t>LSTM (Long Short-Term Memory)</a:t>
+            </a:r>
+          </a:p>
+          <a:p>
+            <a:pPr marL="0" indent="0">
+              <a:lnSpc>
+                <a:spcPct val="50000"/>
+              </a:lnSpc>
+              <a:buNone/>
+            </a:pPr>
+            <a:r>
+              <a:rPr lang="ja-JP" altLang="en-US" sz="1800" dirty="0"/>
+              <a:t>→逐次追跡よりもわずかに良い成績</a:t>
+            </a:r>
+            <a:r>
+              <a:rPr lang="en-US" altLang="ja-JP" sz="1800" dirty="0"/>
+              <a:t>(</a:t>
+            </a:r>
+            <a:r>
+              <a:rPr lang="ja-JP" altLang="en-US" sz="1800" dirty="0"/>
+              <a:t>要検証</a:t>
+            </a:r>
+            <a:r>
+              <a:rPr lang="en-US" altLang="ja-JP" sz="1800" dirty="0"/>
+              <a:t>)</a:t>
+            </a:r>
+          </a:p>
+        </p:txBody>
+      </p:sp>
+    </p:spTree>
+    <p:extLst>
+      <p:ext uri="{BB962C8B-B14F-4D97-AF65-F5344CB8AC3E}">
+        <p14:creationId xmlns:p14="http://schemas.microsoft.com/office/powerpoint/2010/main" val="32767845"/>
+      </p:ext>
+    </p:extLst>
+  </p:cSld>
+  <p:clrMapOvr>
+    <a:masterClrMapping/>
+  </p:clrMapOvr>
+  <p:timing>
+    <p:tnLst>
+      <p:par>
+        <p:cTn id="1" dur="indefinite" restart="never" nodeType="tmRoot">
+          <p:childTnLst>
+            <p:seq concurrent="1" nextAc="seek">
+              <p:cTn id="2" dur="indefinite" nodeType="mainSeq">
+                <p:childTnLst>
+                  <p:par>
+                    <p:cTn id="3" fill="hold">
+                      <p:stCondLst>
+                        <p:cond delay="indefinite"/>
+                      </p:stCondLst>
+                      <p:childTnLst>
+                        <p:par>
+                          <p:cTn id="4" fill="hold">
+                            <p:stCondLst>
+                              <p:cond delay="0"/>
+                            </p:stCondLst>
+                            <p:childTnLst>
+                              <p:par>
+                                <p:cTn id="5" presetID="10" presetClass="entr" presetSubtype="0" fill="hold" nodeType="clickEffect">
+                                  <p:stCondLst>
+                                    <p:cond delay="0"/>
+                                  </p:stCondLst>
+                                  <p:childTnLst>
+                                    <p:set>
+                                      <p:cBhvr>
+                                        <p:cTn id="6" dur="1" fill="hold">
+                                          <p:stCondLst>
+                                            <p:cond delay="0"/>
+                                          </p:stCondLst>
+                                        </p:cTn>
+                                        <p:tgtEl>
+                                          <p:spTgt spid="3">
+                                            <p:txEl>
+                                              <p:pRg st="1" end="1"/>
+                                            </p:txEl>
+                                          </p:spTgt>
+                                        </p:tgtEl>
+                                        <p:attrNameLst>
+                                          <p:attrName>style.visibility</p:attrName>
+                                        </p:attrNameLst>
+                                      </p:cBhvr>
+                                      <p:to>
+                                        <p:strVal val="visible"/>
+                                      </p:to>
+                                    </p:set>
+                                    <p:animEffect transition="in" filter="fade">
+                                      <p:cBhvr>
+                                        <p:cTn id="7" dur="500"/>
+                                        <p:tgtEl>
+                                          <p:spTgt spid="3">
+                                            <p:txEl>
+                                              <p:pRg st="1" end="1"/>
+                                            </p:txEl>
+                                          </p:spTgt>
+                                        </p:tgtEl>
+                                      </p:cBhvr>
+                                    </p:animEffect>
+                                  </p:childTnLst>
+                                </p:cTn>
+                              </p:par>
+                            </p:childTnLst>
+                          </p:cTn>
+                        </p:par>
+                      </p:childTnLst>
+                    </p:cTn>
+                  </p:par>
+                  <p:par>
+                    <p:cTn id="8" fill="hold">
+                      <p:stCondLst>
+                        <p:cond delay="indefinite"/>
+                      </p:stCondLst>
+                      <p:childTnLst>
+                        <p:par>
+                          <p:cTn id="9" fill="hold">
+                            <p:stCondLst>
+                              <p:cond delay="0"/>
+                            </p:stCondLst>
+                            <p:childTnLst>
+                              <p:par>
+                                <p:cTn id="10" presetID="10" presetClass="entr" presetSubtype="0" fill="hold" nodeType="clickEffect">
+                                  <p:stCondLst>
+                                    <p:cond delay="0"/>
+                                  </p:stCondLst>
+                                  <p:childTnLst>
+                                    <p:set>
+                                      <p:cBhvr>
+                                        <p:cTn id="11" dur="1" fill="hold">
+                                          <p:stCondLst>
+                                            <p:cond delay="0"/>
+                                          </p:stCondLst>
+                                        </p:cTn>
+                                        <p:tgtEl>
+                                          <p:spTgt spid="3">
+                                            <p:txEl>
+                                              <p:pRg st="3" end="3"/>
+                                            </p:txEl>
+                                          </p:spTgt>
+                                        </p:tgtEl>
+                                        <p:attrNameLst>
+                                          <p:attrName>style.visibility</p:attrName>
+                                        </p:attrNameLst>
+                                      </p:cBhvr>
+                                      <p:to>
+                                        <p:strVal val="visible"/>
+                                      </p:to>
+                                    </p:set>
+                                    <p:animEffect transition="in" filter="fade">
+                                      <p:cBhvr>
+                                        <p:cTn id="12" dur="500"/>
+                                        <p:tgtEl>
+                                          <p:spTgt spid="3">
+                                            <p:txEl>
+                                              <p:pRg st="3" end="3"/>
+                                            </p:txEl>
+                                          </p:spTgt>
+                                        </p:tgtEl>
+                                      </p:cBhvr>
+                                    </p:animEffect>
+                                  </p:childTnLst>
+                                </p:cTn>
+                              </p:par>
+                            </p:childTnLst>
+                          </p:cTn>
+                        </p:par>
+                      </p:childTnLst>
+                    </p:cTn>
+                  </p:par>
+                  <p:par>
+                    <p:cTn id="13" fill="hold">
+                      <p:stCondLst>
+                        <p:cond delay="indefinite"/>
+                      </p:stCondLst>
+                      <p:childTnLst>
+                        <p:par>
+                          <p:cTn id="14" fill="hold">
+                            <p:stCondLst>
+                              <p:cond delay="0"/>
+                            </p:stCondLst>
+                            <p:childTnLst>
+                              <p:par>
+                                <p:cTn id="15" presetID="10" presetClass="entr" presetSubtype="0" fill="hold" nodeType="clickEffect">
+                                  <p:stCondLst>
+                                    <p:cond delay="0"/>
+                                  </p:stCondLst>
+                                  <p:childTnLst>
+                                    <p:set>
+                                      <p:cBhvr>
+                                        <p:cTn id="16" dur="1" fill="hold">
+                                          <p:stCondLst>
+                                            <p:cond delay="0"/>
+                                          </p:stCondLst>
+                                        </p:cTn>
+                                        <p:tgtEl>
+                                          <p:spTgt spid="3">
+                                            <p:txEl>
+                                              <p:pRg st="4" end="4"/>
+                                            </p:txEl>
+                                          </p:spTgt>
+                                        </p:tgtEl>
+                                        <p:attrNameLst>
+                                          <p:attrName>style.visibility</p:attrName>
+                                        </p:attrNameLst>
+                                      </p:cBhvr>
+                                      <p:to>
+                                        <p:strVal val="visible"/>
+                                      </p:to>
+                                    </p:set>
+                                    <p:animEffect transition="in" filter="fade">
+                                      <p:cBhvr>
+                                        <p:cTn id="17" dur="500"/>
+                                        <p:tgtEl>
+                                          <p:spTgt spid="3">
+                                            <p:txEl>
+                                              <p:pRg st="4" end="4"/>
+                                            </p:txEl>
+                                          </p:spTgt>
+                                        </p:tgtEl>
+                                      </p:cBhvr>
+                                    </p:animEffect>
+                                  </p:childTnLst>
+                                </p:cTn>
+                              </p:par>
+                            </p:childTnLst>
+                          </p:cTn>
+                        </p:par>
+                      </p:childTnLst>
+                    </p:cTn>
+                  </p:par>
+                  <p:par>
+                    <p:cTn id="18" fill="hold">
+                      <p:stCondLst>
+                        <p:cond delay="indefinite"/>
+                      </p:stCondLst>
+                      <p:childTnLst>
+                        <p:par>
+                          <p:cTn id="19" fill="hold">
+                            <p:stCondLst>
+                              <p:cond delay="0"/>
+                            </p:stCondLst>
+                            <p:childTnLst>
+                              <p:par>
+                                <p:cTn id="20" presetID="10" presetClass="entr" presetSubtype="0" fill="hold" nodeType="clickEffect">
+                                  <p:stCondLst>
+                                    <p:cond delay="0"/>
+                                  </p:stCondLst>
+                                  <p:childTnLst>
+                                    <p:set>
+                                      <p:cBhvr>
+                                        <p:cTn id="21" dur="1" fill="hold">
+                                          <p:stCondLst>
+                                            <p:cond delay="0"/>
+                                          </p:stCondLst>
+                                        </p:cTn>
+                                        <p:tgtEl>
+                                          <p:spTgt spid="3">
+                                            <p:txEl>
+                                              <p:pRg st="7" end="7"/>
+                                            </p:txEl>
+                                          </p:spTgt>
+                                        </p:tgtEl>
+                                        <p:attrNameLst>
+                                          <p:attrName>style.visibility</p:attrName>
+                                        </p:attrNameLst>
+                                      </p:cBhvr>
+                                      <p:to>
+                                        <p:strVal val="visible"/>
+                                      </p:to>
+                                    </p:set>
+                                    <p:animEffect transition="in" filter="fade">
+                                      <p:cBhvr>
+                                        <p:cTn id="22" dur="500"/>
+                                        <p:tgtEl>
+                                          <p:spTgt spid="3">
+                                            <p:txEl>
+                                              <p:pRg st="7" end="7"/>
+                                            </p:txEl>
+                                          </p:spTgt>
+                                        </p:tgtEl>
+                                      </p:cBhvr>
+                                    </p:animEffect>
+                                  </p:childTnLst>
+                                </p:cTn>
+                              </p:par>
+                            </p:childTnLst>
+                          </p:cTn>
+                        </p:par>
+                      </p:childTnLst>
+                    </p:cTn>
+                  </p:par>
+                  <p:par>
+                    <p:cTn id="23" fill="hold">
+                      <p:stCondLst>
+                        <p:cond delay="indefinite"/>
+                      </p:stCondLst>
+                      <p:childTnLst>
+                        <p:par>
+                          <p:cTn id="24" fill="hold">
+                            <p:stCondLst>
+                              <p:cond delay="0"/>
+                            </p:stCondLst>
+                            <p:childTnLst>
+                              <p:par>
+                                <p:cTn id="25" presetID="10" presetClass="entr" presetSubtype="0" fill="hold" nodeType="clickEffect">
+                                  <p:stCondLst>
+                                    <p:cond delay="0"/>
+                                  </p:stCondLst>
+                                  <p:childTnLst>
+                                    <p:set>
+                                      <p:cBhvr>
+                                        <p:cTn id="26" dur="1" fill="hold">
+                                          <p:stCondLst>
+                                            <p:cond delay="0"/>
+                                          </p:stCondLst>
+                                        </p:cTn>
+                                        <p:tgtEl>
+                                          <p:spTgt spid="3">
+                                            <p:txEl>
+                                              <p:pRg st="10" end="10"/>
+                                            </p:txEl>
+                                          </p:spTgt>
+                                        </p:tgtEl>
+                                        <p:attrNameLst>
+                                          <p:attrName>style.visibility</p:attrName>
+                                        </p:attrNameLst>
+                                      </p:cBhvr>
+                                      <p:to>
+                                        <p:strVal val="visible"/>
+                                      </p:to>
+                                    </p:set>
+                                    <p:animEffect transition="in" filter="fade">
+                                      <p:cBhvr>
+                                        <p:cTn id="27" dur="500"/>
+                                        <p:tgtEl>
+                                          <p:spTgt spid="3">
+                                            <p:txEl>
+                                              <p:pRg st="10" end="10"/>
+                                            </p:txEl>
+                                          </p:spTgt>
+                                        </p:tgtEl>
+                                      </p:cBhvr>
+                                    </p:animEffect>
+                                  </p:childTnLst>
+                                </p:cTn>
+                              </p:par>
+                            </p:childTnLst>
+                          </p:cTn>
+                        </p:par>
+                      </p:childTnLst>
+                    </p:cTn>
+                  </p:par>
+                </p:childTnLst>
+              </p:cTn>
+              <p:prevCondLst>
+                <p:cond evt="onPrev" delay="0">
+                  <p:tgtEl>
+                    <p:sldTgt/>
+                  </p:tgtEl>
+                </p:cond>
+              </p:prevCondLst>
+              <p:nextCondLst>
+                <p:cond evt="onNext" delay="0">
+                  <p:tgtEl>
+                    <p:sldTgt/>
+                  </p:tgtEl>
+                </p:cond>
+              </p:nextCondLst>
+            </p:seq>
+          </p:childTnLst>
+        </p:cTn>
+      </p:par>
+    </p:tnLst>
+  </p:timing>
+</p:sld>
+</file>
+
+<file path=ppt/slides/slide13.xml><?xml version="1.0" encoding="utf-8"?>
+<p:sld xmlns:a="http://schemas.openxmlformats.org/drawingml/2006/main" xmlns:r="http://schemas.openxmlformats.org/officeDocument/2006/relationships" xmlns:p="http://schemas.openxmlformats.org/presentationml/2006/main">
+  <p:cSld>
+    <p:spTree>
+      <p:nvGrpSpPr>
+        <p:cNvPr id="1" name=""/>
+        <p:cNvGrpSpPr/>
+        <p:nvPr/>
+      </p:nvGrpSpPr>
+      <p:grpSpPr>
+        <a:xfrm>
+          <a:off x="0" y="0"/>
+          <a:ext cx="0" cy="0"/>
+          <a:chOff x="0" y="0"/>
+          <a:chExt cx="0" cy="0"/>
+        </a:xfrm>
+      </p:grpSpPr>
+      <p:sp>
+        <p:nvSpPr>
+          <p:cNvPr id="2" name="タイトル 1">
+            <a:extLst>
+              <a:ext uri="{FF2B5EF4-FFF2-40B4-BE49-F238E27FC236}">
+                <a16:creationId xmlns:a16="http://schemas.microsoft.com/office/drawing/2014/main" id="{C452CE04-A02C-4DCB-A6C7-BCDA5BD86E82}"/>
+              </a:ext>
+            </a:extLst>
+          </p:cNvPr>
+          <p:cNvSpPr>
+            <a:spLocks noGrp="1"/>
+          </p:cNvSpPr>
+          <p:nvPr>
+            <p:ph type="title"/>
+          </p:nvPr>
+        </p:nvSpPr>
+        <p:spPr/>
+        <p:txBody>
+          <a:bodyPr>
+            <a:normAutofit/>
+          </a:bodyPr>
+          <a:lstStyle/>
+          <a:p>
+            <a:r>
               <a:rPr kumimoji="1" lang="ja-JP" altLang="en-US" sz="3200" dirty="0"/>
               <a:t>結論と今後の課題</a:t>
             </a:r>
           </a:p>
         </p:txBody>
       </p:sp>
-      <mc:AlternateContent xmlns:mc="http://schemas.openxmlformats.org/markup-compatibility/2006">
-        <mc:Choice xmlns:a14="http://schemas.microsoft.com/office/drawing/2010/main" Requires="a14">
+      <mc:AlternateContent xmlns:mc="http://schemas.openxmlformats.org/markup-compatibility/2006" xmlns:a14="http://schemas.microsoft.com/office/drawing/2010/main">
+        <mc:Choice Requires="a14">
           <p:sp>
             <p:nvSpPr>
               <p:cNvPr id="3" name="コンテンツ プレースホルダー 2">
@@ -4658,7 +5902,7 @@
             </p:txBody>
           </p:sp>
         </mc:Choice>
-        <mc:Fallback>
+        <mc:Fallback xmlns="">
           <p:sp>
             <p:nvSpPr>
               <p:cNvPr id="3" name="コンテンツ プレースホルダー 2">
@@ -4762,8 +6006,8 @@
           </a:p>
         </p:txBody>
       </p:sp>
-      <mc:AlternateContent xmlns:mc="http://schemas.openxmlformats.org/markup-compatibility/2006">
-        <mc:Choice xmlns:a14="http://schemas.microsoft.com/office/drawing/2010/main" Requires="a14">
+      <mc:AlternateContent xmlns:mc="http://schemas.openxmlformats.org/markup-compatibility/2006" xmlns:a14="http://schemas.microsoft.com/office/drawing/2010/main">
+        <mc:Choice Requires="a14">
           <p:sp>
             <p:nvSpPr>
               <p:cNvPr id="3" name="コンテンツ プレースホルダー 2">
@@ -5705,7 +6949,7 @@
             </p:txBody>
           </p:sp>
         </mc:Choice>
-        <mc:Fallback>
+        <mc:Fallback xmlns="">
           <p:sp>
             <p:nvSpPr>
               <p:cNvPr id="3" name="コンテンツ プレースホルダー 2">
@@ -6159,6 +7403,76 @@
           </a:prstGeom>
         </p:spPr>
       </p:pic>
+      <p:sp>
+        <p:nvSpPr>
+          <p:cNvPr id="6" name="テキスト ボックス 5">
+            <a:extLst>
+              <a:ext uri="{FF2B5EF4-FFF2-40B4-BE49-F238E27FC236}">
+                <a16:creationId xmlns:a16="http://schemas.microsoft.com/office/drawing/2014/main" id="{00772B00-6630-43C7-8606-3C97CD47A329}"/>
+              </a:ext>
+            </a:extLst>
+          </p:cNvPr>
+          <p:cNvSpPr txBox="1"/>
+          <p:nvPr/>
+        </p:nvSpPr>
+        <p:spPr>
+          <a:xfrm>
+            <a:off x="2726199" y="1804955"/>
+            <a:ext cx="2533057" cy="369332"/>
+          </a:xfrm>
+          <a:prstGeom prst="rect">
+            <a:avLst/>
+          </a:prstGeom>
+          <a:noFill/>
+        </p:spPr>
+        <p:txBody>
+          <a:bodyPr wrap="square" rtlCol="0">
+            <a:spAutoFit/>
+          </a:bodyPr>
+          <a:lstStyle/>
+          <a:p>
+            <a:r>
+              <a:rPr kumimoji="1" lang="ja-JP" altLang="en-US" dirty="0"/>
+              <a:t>電力消費量の時間変化</a:t>
+            </a:r>
+          </a:p>
+        </p:txBody>
+      </p:sp>
+      <p:sp>
+        <p:nvSpPr>
+          <p:cNvPr id="7" name="テキスト ボックス 6">
+            <a:extLst>
+              <a:ext uri="{FF2B5EF4-FFF2-40B4-BE49-F238E27FC236}">
+                <a16:creationId xmlns:a16="http://schemas.microsoft.com/office/drawing/2014/main" id="{A5FE10B5-EB9E-46AF-B2F4-B2D25D911522}"/>
+              </a:ext>
+            </a:extLst>
+          </p:cNvPr>
+          <p:cNvSpPr txBox="1"/>
+          <p:nvPr/>
+        </p:nvSpPr>
+        <p:spPr>
+          <a:xfrm>
+            <a:off x="7593632" y="1804955"/>
+            <a:ext cx="2050667" cy="369332"/>
+          </a:xfrm>
+          <a:prstGeom prst="rect">
+            <a:avLst/>
+          </a:prstGeom>
+          <a:noFill/>
+        </p:spPr>
+        <p:txBody>
+          <a:bodyPr wrap="square" rtlCol="0">
+            <a:spAutoFit/>
+          </a:bodyPr>
+          <a:lstStyle/>
+          <a:p>
+            <a:r>
+              <a:rPr kumimoji="1" lang="ja-JP" altLang="en-US" dirty="0"/>
+              <a:t>発電量の時間変化</a:t>
+            </a:r>
+          </a:p>
+        </p:txBody>
+      </p:sp>
     </p:spTree>
     <p:extLst>
       <p:ext uri="{BB962C8B-B14F-4D97-AF65-F5344CB8AC3E}">
@@ -6330,6 +7644,76 @@
           </a:p>
         </p:txBody>
       </p:sp>
+      <p:sp>
+        <p:nvSpPr>
+          <p:cNvPr id="6" name="テキスト ボックス 5">
+            <a:extLst>
+              <a:ext uri="{FF2B5EF4-FFF2-40B4-BE49-F238E27FC236}">
+                <a16:creationId xmlns:a16="http://schemas.microsoft.com/office/drawing/2014/main" id="{1D1F2BB0-E2ED-4EB1-A512-642C9D7BB5ED}"/>
+              </a:ext>
+            </a:extLst>
+          </p:cNvPr>
+          <p:cNvSpPr txBox="1"/>
+          <p:nvPr/>
+        </p:nvSpPr>
+        <p:spPr>
+          <a:xfrm>
+            <a:off x="2726199" y="1804955"/>
+            <a:ext cx="2533057" cy="369332"/>
+          </a:xfrm>
+          <a:prstGeom prst="rect">
+            <a:avLst/>
+          </a:prstGeom>
+          <a:noFill/>
+        </p:spPr>
+        <p:txBody>
+          <a:bodyPr wrap="square" rtlCol="0">
+            <a:spAutoFit/>
+          </a:bodyPr>
+          <a:lstStyle/>
+          <a:p>
+            <a:r>
+              <a:rPr kumimoji="1" lang="ja-JP" altLang="en-US" dirty="0"/>
+              <a:t>電力消費量の時間変化</a:t>
+            </a:r>
+          </a:p>
+        </p:txBody>
+      </p:sp>
+      <p:sp>
+        <p:nvSpPr>
+          <p:cNvPr id="7" name="テキスト ボックス 6">
+            <a:extLst>
+              <a:ext uri="{FF2B5EF4-FFF2-40B4-BE49-F238E27FC236}">
+                <a16:creationId xmlns:a16="http://schemas.microsoft.com/office/drawing/2014/main" id="{ED97F070-52D8-48C4-A2A7-C867CF4E0464}"/>
+              </a:ext>
+            </a:extLst>
+          </p:cNvPr>
+          <p:cNvSpPr txBox="1"/>
+          <p:nvPr/>
+        </p:nvSpPr>
+        <p:spPr>
+          <a:xfrm>
+            <a:off x="7593632" y="1804955"/>
+            <a:ext cx="2050667" cy="369332"/>
+          </a:xfrm>
+          <a:prstGeom prst="rect">
+            <a:avLst/>
+          </a:prstGeom>
+          <a:noFill/>
+        </p:spPr>
+        <p:txBody>
+          <a:bodyPr wrap="square" rtlCol="0">
+            <a:spAutoFit/>
+          </a:bodyPr>
+          <a:lstStyle/>
+          <a:p>
+            <a:r>
+              <a:rPr kumimoji="1" lang="ja-JP" altLang="en-US" dirty="0"/>
+              <a:t>発電量の時間変化</a:t>
+            </a:r>
+          </a:p>
+        </p:txBody>
+      </p:sp>
     </p:spTree>
     <p:extLst>
       <p:ext uri="{BB962C8B-B14F-4D97-AF65-F5344CB8AC3E}">
@@ -6413,70 +7797,156 @@
           </a:xfrm>
         </p:spPr>
         <p:txBody>
-          <a:bodyPr/>
+          <a:bodyPr>
+            <a:noAutofit/>
+          </a:bodyPr>
           <a:lstStyle/>
           <a:p>
             <a:pPr>
+              <a:lnSpc>
+                <a:spcPct val="50000"/>
+              </a:lnSpc>
               <a:buFont typeface="Wingdings" panose="05000000000000000000" pitchFamily="2" charset="2"/>
               <a:buChar char="l"/>
             </a:pPr>
             <a:r>
-              <a:rPr kumimoji="1" lang="ja-JP" altLang="en-US" dirty="0"/>
+              <a:rPr kumimoji="1" lang="ja-JP" altLang="en-US" sz="1800" dirty="0"/>
               <a:t>逐次追跡法</a:t>
             </a:r>
-            <a:endParaRPr kumimoji="1" lang="en-US" altLang="ja-JP" dirty="0"/>
+            <a:endParaRPr kumimoji="1" lang="en-US" altLang="ja-JP" sz="1800" dirty="0"/>
+          </a:p>
+          <a:p>
+            <a:pPr marL="0" indent="0">
+              <a:lnSpc>
+                <a:spcPct val="50000"/>
+              </a:lnSpc>
+              <a:buNone/>
+            </a:pPr>
+            <a:r>
+              <a:rPr kumimoji="1" lang="ja-JP" altLang="en-US" sz="1800" dirty="0"/>
+              <a:t>→変動が激しい場合有効</a:t>
+            </a:r>
+            <a:endParaRPr kumimoji="1" lang="en-US" altLang="ja-JP" sz="1800" dirty="0"/>
           </a:p>
           <a:p>
             <a:pPr>
+              <a:lnSpc>
+                <a:spcPct val="50000"/>
+              </a:lnSpc>
               <a:buFont typeface="Wingdings" panose="05000000000000000000" pitchFamily="2" charset="2"/>
               <a:buChar char="l"/>
             </a:pPr>
-            <a:endParaRPr lang="en-US" altLang="ja-JP" dirty="0"/>
+            <a:endParaRPr lang="en-US" altLang="ja-JP" sz="1800" dirty="0"/>
           </a:p>
           <a:p>
             <a:pPr>
+              <a:lnSpc>
+                <a:spcPct val="50000"/>
+              </a:lnSpc>
               <a:buFont typeface="Wingdings" panose="05000000000000000000" pitchFamily="2" charset="2"/>
               <a:buChar char="l"/>
             </a:pPr>
             <a:r>
-              <a:rPr lang="ja-JP" altLang="en-US" dirty="0"/>
-              <a:t>定数項修正</a:t>
-            </a:r>
-            <a:endParaRPr lang="en-US" altLang="ja-JP" dirty="0"/>
+              <a:rPr lang="ja-JP" altLang="en-US" sz="1800" dirty="0"/>
+              <a:t>自己回帰モデル</a:t>
+            </a:r>
+            <a:endParaRPr lang="en-US" altLang="ja-JP" sz="1800" dirty="0"/>
+          </a:p>
+          <a:p>
+            <a:pPr marL="0" indent="0">
+              <a:lnSpc>
+                <a:spcPct val="50000"/>
+              </a:lnSpc>
+              <a:buNone/>
+            </a:pPr>
+            <a:r>
+              <a:rPr lang="ja-JP" altLang="en-US" sz="1800" dirty="0"/>
+              <a:t>→変動が激しくない場合有効</a:t>
+            </a:r>
+            <a:endParaRPr lang="en-US" altLang="ja-JP" sz="1800" dirty="0"/>
           </a:p>
           <a:p>
             <a:pPr>
+              <a:lnSpc>
+                <a:spcPct val="50000"/>
+              </a:lnSpc>
               <a:buFont typeface="Wingdings" panose="05000000000000000000" pitchFamily="2" charset="2"/>
               <a:buChar char="l"/>
             </a:pPr>
-            <a:endParaRPr lang="en-US" altLang="ja-JP" dirty="0"/>
+            <a:endParaRPr lang="en-US" altLang="ja-JP" sz="1800" dirty="0"/>
           </a:p>
           <a:p>
             <a:pPr>
+              <a:lnSpc>
+                <a:spcPct val="50000"/>
+              </a:lnSpc>
               <a:buFont typeface="Wingdings" panose="05000000000000000000" pitchFamily="2" charset="2"/>
               <a:buChar char="l"/>
             </a:pPr>
             <a:r>
-              <a:rPr lang="ja-JP" altLang="en-US" dirty="0"/>
+              <a:rPr lang="ja-JP" altLang="en-US" sz="1800" dirty="0"/>
               <a:t>ガウス過程回帰</a:t>
             </a:r>
-            <a:endParaRPr lang="en-US" altLang="ja-JP" dirty="0"/>
+            <a:endParaRPr lang="en-US" altLang="ja-JP" sz="1800" dirty="0"/>
+          </a:p>
+          <a:p>
+            <a:pPr marL="0" indent="0">
+              <a:lnSpc>
+                <a:spcPct val="50000"/>
+              </a:lnSpc>
+              <a:buNone/>
+            </a:pPr>
+            <a:r>
+              <a:rPr lang="ja-JP" altLang="en-US" sz="1800" dirty="0"/>
+              <a:t>→逐次追跡法に劣る</a:t>
+            </a:r>
+            <a:endParaRPr lang="en-US" altLang="ja-JP" sz="1800" dirty="0"/>
           </a:p>
           <a:p>
             <a:pPr>
+              <a:lnSpc>
+                <a:spcPct val="50000"/>
+              </a:lnSpc>
               <a:buFont typeface="Wingdings" panose="05000000000000000000" pitchFamily="2" charset="2"/>
               <a:buChar char="l"/>
             </a:pPr>
-            <a:endParaRPr lang="en-US" altLang="ja-JP" dirty="0"/>
+            <a:endParaRPr lang="en-US" altLang="ja-JP" sz="1800" dirty="0"/>
           </a:p>
           <a:p>
             <a:pPr>
+              <a:lnSpc>
+                <a:spcPct val="50000"/>
+              </a:lnSpc>
               <a:buFont typeface="Wingdings" panose="05000000000000000000" pitchFamily="2" charset="2"/>
               <a:buChar char="l"/>
             </a:pPr>
             <a:r>
-              <a:rPr lang="en-US" altLang="ja-JP" dirty="0"/>
+              <a:rPr lang="en-US" altLang="ja-JP" sz="1800" dirty="0"/>
               <a:t>LSTM (Long Short-Term Memory)</a:t>
+            </a:r>
+          </a:p>
+          <a:p>
+            <a:pPr marL="0" indent="0">
+              <a:lnSpc>
+                <a:spcPct val="50000"/>
+              </a:lnSpc>
+              <a:buNone/>
+            </a:pPr>
+            <a:r>
+              <a:rPr lang="ja-JP" altLang="en-US" sz="1800" dirty="0"/>
+              <a:t>→逐次追跡よりもわずかに良い成績</a:t>
+            </a:r>
+            <a:r>
+              <a:rPr lang="en-US" altLang="ja-JP" sz="1800" dirty="0"/>
+              <a:t>(</a:t>
+            </a:r>
+            <a:r>
+              <a:rPr lang="ja-JP" altLang="en-US" sz="1800" dirty="0"/>
+              <a:t>要検証</a:t>
+            </a:r>
+            <a:r>
+              <a:rPr lang="en-US" altLang="ja-JP" sz="1800" dirty="0"/>
+              <a:t>)</a:t>
             </a:r>
           </a:p>
         </p:txBody>
@@ -6491,6 +7961,341 @@
   <p:clrMapOvr>
     <a:masterClrMapping/>
   </p:clrMapOvr>
+  <p:timing>
+    <p:tnLst>
+      <p:par>
+        <p:cTn id="1" dur="indefinite" restart="never" nodeType="tmRoot">
+          <p:childTnLst>
+            <p:seq concurrent="1" nextAc="seek">
+              <p:cTn id="2" dur="indefinite" nodeType="mainSeq">
+                <p:childTnLst>
+                  <p:par>
+                    <p:cTn id="3" fill="hold">
+                      <p:stCondLst>
+                        <p:cond delay="indefinite"/>
+                      </p:stCondLst>
+                      <p:childTnLst>
+                        <p:par>
+                          <p:cTn id="4" fill="hold">
+                            <p:stCondLst>
+                              <p:cond delay="0"/>
+                            </p:stCondLst>
+                            <p:childTnLst>
+                              <p:par>
+                                <p:cTn id="5" presetID="10" presetClass="entr" presetSubtype="0" fill="hold" nodeType="clickEffect">
+                                  <p:stCondLst>
+                                    <p:cond delay="0"/>
+                                  </p:stCondLst>
+                                  <p:childTnLst>
+                                    <p:set>
+                                      <p:cBhvr>
+                                        <p:cTn id="6" dur="1" fill="hold">
+                                          <p:stCondLst>
+                                            <p:cond delay="0"/>
+                                          </p:stCondLst>
+                                        </p:cTn>
+                                        <p:tgtEl>
+                                          <p:spTgt spid="3">
+                                            <p:txEl>
+                                              <p:pRg st="1" end="1"/>
+                                            </p:txEl>
+                                          </p:spTgt>
+                                        </p:tgtEl>
+                                        <p:attrNameLst>
+                                          <p:attrName>style.visibility</p:attrName>
+                                        </p:attrNameLst>
+                                      </p:cBhvr>
+                                      <p:to>
+                                        <p:strVal val="visible"/>
+                                      </p:to>
+                                    </p:set>
+                                    <p:animEffect transition="in" filter="fade">
+                                      <p:cBhvr>
+                                        <p:cTn id="7" dur="500"/>
+                                        <p:tgtEl>
+                                          <p:spTgt spid="3">
+                                            <p:txEl>
+                                              <p:pRg st="1" end="1"/>
+                                            </p:txEl>
+                                          </p:spTgt>
+                                        </p:tgtEl>
+                                      </p:cBhvr>
+                                    </p:animEffect>
+                                  </p:childTnLst>
+                                </p:cTn>
+                              </p:par>
+                            </p:childTnLst>
+                          </p:cTn>
+                        </p:par>
+                      </p:childTnLst>
+                    </p:cTn>
+                  </p:par>
+                  <p:par>
+                    <p:cTn id="8" fill="hold">
+                      <p:stCondLst>
+                        <p:cond delay="indefinite"/>
+                      </p:stCondLst>
+                      <p:childTnLst>
+                        <p:par>
+                          <p:cTn id="9" fill="hold">
+                            <p:stCondLst>
+                              <p:cond delay="0"/>
+                            </p:stCondLst>
+                            <p:childTnLst>
+                              <p:par>
+                                <p:cTn id="10" presetID="10" presetClass="entr" presetSubtype="0" fill="hold" nodeType="clickEffect">
+                                  <p:stCondLst>
+                                    <p:cond delay="0"/>
+                                  </p:stCondLst>
+                                  <p:childTnLst>
+                                    <p:set>
+                                      <p:cBhvr>
+                                        <p:cTn id="11" dur="1" fill="hold">
+                                          <p:stCondLst>
+                                            <p:cond delay="0"/>
+                                          </p:stCondLst>
+                                        </p:cTn>
+                                        <p:tgtEl>
+                                          <p:spTgt spid="3">
+                                            <p:txEl>
+                                              <p:pRg st="3" end="3"/>
+                                            </p:txEl>
+                                          </p:spTgt>
+                                        </p:tgtEl>
+                                        <p:attrNameLst>
+                                          <p:attrName>style.visibility</p:attrName>
+                                        </p:attrNameLst>
+                                      </p:cBhvr>
+                                      <p:to>
+                                        <p:strVal val="visible"/>
+                                      </p:to>
+                                    </p:set>
+                                    <p:animEffect transition="in" filter="fade">
+                                      <p:cBhvr>
+                                        <p:cTn id="12" dur="500"/>
+                                        <p:tgtEl>
+                                          <p:spTgt spid="3">
+                                            <p:txEl>
+                                              <p:pRg st="3" end="3"/>
+                                            </p:txEl>
+                                          </p:spTgt>
+                                        </p:tgtEl>
+                                      </p:cBhvr>
+                                    </p:animEffect>
+                                  </p:childTnLst>
+                                </p:cTn>
+                              </p:par>
+                            </p:childTnLst>
+                          </p:cTn>
+                        </p:par>
+                      </p:childTnLst>
+                    </p:cTn>
+                  </p:par>
+                  <p:par>
+                    <p:cTn id="13" fill="hold">
+                      <p:stCondLst>
+                        <p:cond delay="indefinite"/>
+                      </p:stCondLst>
+                      <p:childTnLst>
+                        <p:par>
+                          <p:cTn id="14" fill="hold">
+                            <p:stCondLst>
+                              <p:cond delay="0"/>
+                            </p:stCondLst>
+                            <p:childTnLst>
+                              <p:par>
+                                <p:cTn id="15" presetID="10" presetClass="entr" presetSubtype="0" fill="hold" nodeType="clickEffect">
+                                  <p:stCondLst>
+                                    <p:cond delay="0"/>
+                                  </p:stCondLst>
+                                  <p:childTnLst>
+                                    <p:set>
+                                      <p:cBhvr>
+                                        <p:cTn id="16" dur="1" fill="hold">
+                                          <p:stCondLst>
+                                            <p:cond delay="0"/>
+                                          </p:stCondLst>
+                                        </p:cTn>
+                                        <p:tgtEl>
+                                          <p:spTgt spid="3">
+                                            <p:txEl>
+                                              <p:pRg st="4" end="4"/>
+                                            </p:txEl>
+                                          </p:spTgt>
+                                        </p:tgtEl>
+                                        <p:attrNameLst>
+                                          <p:attrName>style.visibility</p:attrName>
+                                        </p:attrNameLst>
+                                      </p:cBhvr>
+                                      <p:to>
+                                        <p:strVal val="visible"/>
+                                      </p:to>
+                                    </p:set>
+                                    <p:animEffect transition="in" filter="fade">
+                                      <p:cBhvr>
+                                        <p:cTn id="17" dur="500"/>
+                                        <p:tgtEl>
+                                          <p:spTgt spid="3">
+                                            <p:txEl>
+                                              <p:pRg st="4" end="4"/>
+                                            </p:txEl>
+                                          </p:spTgt>
+                                        </p:tgtEl>
+                                      </p:cBhvr>
+                                    </p:animEffect>
+                                  </p:childTnLst>
+                                </p:cTn>
+                              </p:par>
+                            </p:childTnLst>
+                          </p:cTn>
+                        </p:par>
+                      </p:childTnLst>
+                    </p:cTn>
+                  </p:par>
+                  <p:par>
+                    <p:cTn id="18" fill="hold">
+                      <p:stCondLst>
+                        <p:cond delay="indefinite"/>
+                      </p:stCondLst>
+                      <p:childTnLst>
+                        <p:par>
+                          <p:cTn id="19" fill="hold">
+                            <p:stCondLst>
+                              <p:cond delay="0"/>
+                            </p:stCondLst>
+                            <p:childTnLst>
+                              <p:par>
+                                <p:cTn id="20" presetID="10" presetClass="entr" presetSubtype="0" fill="hold" nodeType="clickEffect">
+                                  <p:stCondLst>
+                                    <p:cond delay="0"/>
+                                  </p:stCondLst>
+                                  <p:childTnLst>
+                                    <p:set>
+                                      <p:cBhvr>
+                                        <p:cTn id="21" dur="1" fill="hold">
+                                          <p:stCondLst>
+                                            <p:cond delay="0"/>
+                                          </p:stCondLst>
+                                        </p:cTn>
+                                        <p:tgtEl>
+                                          <p:spTgt spid="3">
+                                            <p:txEl>
+                                              <p:pRg st="7" end="7"/>
+                                            </p:txEl>
+                                          </p:spTgt>
+                                        </p:tgtEl>
+                                        <p:attrNameLst>
+                                          <p:attrName>style.visibility</p:attrName>
+                                        </p:attrNameLst>
+                                      </p:cBhvr>
+                                      <p:to>
+                                        <p:strVal val="visible"/>
+                                      </p:to>
+                                    </p:set>
+                                    <p:animEffect transition="in" filter="fade">
+                                      <p:cBhvr>
+                                        <p:cTn id="22" dur="500"/>
+                                        <p:tgtEl>
+                                          <p:spTgt spid="3">
+                                            <p:txEl>
+                                              <p:pRg st="7" end="7"/>
+                                            </p:txEl>
+                                          </p:spTgt>
+                                        </p:tgtEl>
+                                      </p:cBhvr>
+                                    </p:animEffect>
+                                  </p:childTnLst>
+                                </p:cTn>
+                              </p:par>
+                            </p:childTnLst>
+                          </p:cTn>
+                        </p:par>
+                      </p:childTnLst>
+                    </p:cTn>
+                  </p:par>
+                  <p:par>
+                    <p:cTn id="23" fill="hold">
+                      <p:stCondLst>
+                        <p:cond delay="indefinite"/>
+                      </p:stCondLst>
+                      <p:childTnLst>
+                        <p:par>
+                          <p:cTn id="24" fill="hold">
+                            <p:stCondLst>
+                              <p:cond delay="0"/>
+                            </p:stCondLst>
+                            <p:childTnLst>
+                              <p:par>
+                                <p:cTn id="25" presetID="10" presetClass="entr" presetSubtype="0" fill="hold" nodeType="clickEffect">
+                                  <p:stCondLst>
+                                    <p:cond delay="0"/>
+                                  </p:stCondLst>
+                                  <p:childTnLst>
+                                    <p:set>
+                                      <p:cBhvr>
+                                        <p:cTn id="26" dur="1" fill="hold">
+                                          <p:stCondLst>
+                                            <p:cond delay="0"/>
+                                          </p:stCondLst>
+                                        </p:cTn>
+                                        <p:tgtEl>
+                                          <p:spTgt spid="3">
+                                            <p:txEl>
+                                              <p:pRg st="10" end="10"/>
+                                            </p:txEl>
+                                          </p:spTgt>
+                                        </p:tgtEl>
+                                        <p:attrNameLst>
+                                          <p:attrName>style.visibility</p:attrName>
+                                        </p:attrNameLst>
+                                      </p:cBhvr>
+                                      <p:to>
+                                        <p:strVal val="visible"/>
+                                      </p:to>
+                                    </p:set>
+                                    <p:animEffect transition="in" filter="fade">
+                                      <p:cBhvr>
+                                        <p:cTn id="27" dur="500"/>
+                                        <p:tgtEl>
+                                          <p:spTgt spid="3">
+                                            <p:txEl>
+                                              <p:pRg st="10" end="10"/>
+                                            </p:txEl>
+                                          </p:spTgt>
+                                        </p:tgtEl>
+                                      </p:cBhvr>
+                                    </p:animEffect>
+                                  </p:childTnLst>
+                                </p:cTn>
+                              </p:par>
+                            </p:childTnLst>
+                          </p:cTn>
+                        </p:par>
+                      </p:childTnLst>
+                    </p:cTn>
+                  </p:par>
+                </p:childTnLst>
+              </p:cTn>
+              <p:prevCondLst>
+                <p:cond evt="onPrev" delay="0">
+                  <p:tgtEl>
+                    <p:sldTgt/>
+                  </p:tgtEl>
+                </p:cond>
+              </p:prevCondLst>
+              <p:nextCondLst>
+                <p:cond evt="onNext" delay="0">
+                  <p:tgtEl>
+                    <p:sldTgt/>
+                  </p:tgtEl>
+                </p:cond>
+              </p:nextCondLst>
+            </p:seq>
+          </p:childTnLst>
+        </p:cTn>
+      </p:par>
+    </p:tnLst>
+  </p:timing>
 </p:sld>
 </file>
 
@@ -7235,8 +9040,8 @@
           </a:p>
         </p:txBody>
       </p:sp>
-      <mc:AlternateContent xmlns:mc="http://schemas.openxmlformats.org/markup-compatibility/2006">
-        <mc:Choice xmlns:a14="http://schemas.microsoft.com/office/drawing/2010/main" Requires="a14">
+      <mc:AlternateContent xmlns:mc="http://schemas.openxmlformats.org/markup-compatibility/2006" xmlns:a14="http://schemas.microsoft.com/office/drawing/2010/main">
+        <mc:Choice Requires="a14">
           <p:sp>
             <p:nvSpPr>
               <p:cNvPr id="3" name="コンテンツ プレースホルダー 2">
@@ -7825,7 +9630,7 @@
             </p:txBody>
           </p:sp>
         </mc:Choice>
-        <mc:Fallback>
+        <mc:Fallback xmlns="">
           <p:sp>
             <p:nvSpPr>
               <p:cNvPr id="3" name="コンテンツ プレースホルダー 2">
@@ -7941,7 +9746,7 @@
         </p:nvGraphicFramePr>
         <p:xfrm>
           <a:off x="7094148" y="3897708"/>
-          <a:ext cx="4638285" cy="1112520"/>
+          <a:ext cx="4638285" cy="1381760"/>
         </p:xfrm>
         <a:graphic>
           <a:graphicData uri="http://schemas.openxmlformats.org/drawingml/2006/table">
@@ -8388,7 +10193,7 @@
         </p:nvGraphicFramePr>
         <p:xfrm>
           <a:off x="7092074" y="4055581"/>
-          <a:ext cx="4638285" cy="1112520"/>
+          <a:ext cx="4638285" cy="1381760"/>
         </p:xfrm>
         <a:graphic>
           <a:graphicData uri="http://schemas.openxmlformats.org/drawingml/2006/table">
@@ -8683,8 +10488,8 @@
           </a:p>
         </p:txBody>
       </p:sp>
-      <mc:AlternateContent xmlns:mc="http://schemas.openxmlformats.org/markup-compatibility/2006">
-        <mc:Choice xmlns:a14="http://schemas.microsoft.com/office/drawing/2010/main" Requires="a14">
+      <mc:AlternateContent xmlns:mc="http://schemas.openxmlformats.org/markup-compatibility/2006" xmlns:a14="http://schemas.microsoft.com/office/drawing/2010/main">
+        <mc:Choice Requires="a14">
           <p:sp>
             <p:nvSpPr>
               <p:cNvPr id="3" name="コンテンツ プレースホルダー 2">
@@ -9852,7 +11657,7 @@
             </p:txBody>
           </p:sp>
         </mc:Choice>
-        <mc:Fallback>
+        <mc:Fallback xmlns="">
           <p:sp>
             <p:nvSpPr>
               <p:cNvPr id="3" name="コンテンツ プレースホルダー 2">
@@ -9896,8 +11701,8 @@
           </p:sp>
         </mc:Fallback>
       </mc:AlternateContent>
-      <mc:AlternateContent xmlns:mc="http://schemas.openxmlformats.org/markup-compatibility/2006">
-        <mc:Choice xmlns:a14="http://schemas.microsoft.com/office/drawing/2010/main" Requires="a14">
+      <mc:AlternateContent xmlns:mc="http://schemas.openxmlformats.org/markup-compatibility/2006" xmlns:a14="http://schemas.microsoft.com/office/drawing/2010/main">
+        <mc:Choice Requires="a14">
           <p:sp>
             <p:nvSpPr>
               <p:cNvPr id="5" name="テキスト ボックス 4">
@@ -9996,7 +11801,7 @@
             </p:txBody>
           </p:sp>
         </mc:Choice>
-        <mc:Fallback>
+        <mc:Fallback xmlns="">
           <p:sp>
             <p:nvSpPr>
               <p:cNvPr id="5" name="テキスト ボックス 4">
